--- a/HackForTomorrow Project.pptx
+++ b/HackForTomorrow Project.pptx
@@ -107,6 +107,11 @@
       </a:defRPr>
     </a:lvl9pPr>
   </p:defaultTextStyle>
+  <p:extLst>
+    <p:ext uri="{EFAFB233-063F-42B5-8137-9DF3F51BA10A}">
+      <p15:sldGuideLst xmlns:p15="http://schemas.microsoft.com/office/powerpoint/2012/main"/>
+    </p:ext>
+  </p:extLst>
 </p:presentation>
 </file>
 
@@ -296,7 +301,7 @@
           <a:p>
             <a:fld id="{D50B03DF-B2A2-4014-9A08-B6E4B235C0C8}" type="datetimeFigureOut">
               <a:rPr lang="en-IN" smtClean="0"/>
-              <a:t>04-08-2018</a:t>
+              <a:t>05-08-2018</a:t>
             </a:fld>
             <a:endParaRPr lang="en-IN"/>
           </a:p>
@@ -571,7 +576,7 @@
           <a:p>
             <a:fld id="{D50B03DF-B2A2-4014-9A08-B6E4B235C0C8}" type="datetimeFigureOut">
               <a:rPr lang="en-IN" smtClean="0"/>
-              <a:t>04-08-2018</a:t>
+              <a:t>05-08-2018</a:t>
             </a:fld>
             <a:endParaRPr lang="en-IN"/>
           </a:p>
@@ -765,7 +770,7 @@
           <a:p>
             <a:fld id="{D50B03DF-B2A2-4014-9A08-B6E4B235C0C8}" type="datetimeFigureOut">
               <a:rPr lang="en-IN" smtClean="0"/>
-              <a:t>04-08-2018</a:t>
+              <a:t>05-08-2018</a:t>
             </a:fld>
             <a:endParaRPr lang="en-IN"/>
           </a:p>
@@ -1038,7 +1043,7 @@
           <a:p>
             <a:fld id="{D50B03DF-B2A2-4014-9A08-B6E4B235C0C8}" type="datetimeFigureOut">
               <a:rPr lang="en-IN" smtClean="0"/>
-              <a:t>04-08-2018</a:t>
+              <a:t>05-08-2018</a:t>
             </a:fld>
             <a:endParaRPr lang="en-IN"/>
           </a:p>
@@ -1379,7 +1384,7 @@
           <a:p>
             <a:fld id="{D50B03DF-B2A2-4014-9A08-B6E4B235C0C8}" type="datetimeFigureOut">
               <a:rPr lang="en-IN" smtClean="0"/>
-              <a:t>04-08-2018</a:t>
+              <a:t>05-08-2018</a:t>
             </a:fld>
             <a:endParaRPr lang="en-IN"/>
           </a:p>
@@ -2002,7 +2007,7 @@
           <a:p>
             <a:fld id="{D50B03DF-B2A2-4014-9A08-B6E4B235C0C8}" type="datetimeFigureOut">
               <a:rPr lang="en-IN" smtClean="0"/>
-              <a:t>04-08-2018</a:t>
+              <a:t>05-08-2018</a:t>
             </a:fld>
             <a:endParaRPr lang="en-IN"/>
           </a:p>
@@ -2862,7 +2867,7 @@
           <a:p>
             <a:fld id="{D50B03DF-B2A2-4014-9A08-B6E4B235C0C8}" type="datetimeFigureOut">
               <a:rPr lang="en-IN" smtClean="0"/>
-              <a:t>04-08-2018</a:t>
+              <a:t>05-08-2018</a:t>
             </a:fld>
             <a:endParaRPr lang="en-IN"/>
           </a:p>
@@ -3032,7 +3037,7 @@
           <a:p>
             <a:fld id="{D50B03DF-B2A2-4014-9A08-B6E4B235C0C8}" type="datetimeFigureOut">
               <a:rPr lang="en-IN" smtClean="0"/>
-              <a:t>04-08-2018</a:t>
+              <a:t>05-08-2018</a:t>
             </a:fld>
             <a:endParaRPr lang="en-IN"/>
           </a:p>
@@ -3212,7 +3217,7 @@
           <a:p>
             <a:fld id="{D50B03DF-B2A2-4014-9A08-B6E4B235C0C8}" type="datetimeFigureOut">
               <a:rPr lang="en-IN" smtClean="0"/>
-              <a:t>04-08-2018</a:t>
+              <a:t>05-08-2018</a:t>
             </a:fld>
             <a:endParaRPr lang="en-IN"/>
           </a:p>
@@ -3382,7 +3387,7 @@
           <a:p>
             <a:fld id="{D50B03DF-B2A2-4014-9A08-B6E4B235C0C8}" type="datetimeFigureOut">
               <a:rPr lang="en-IN" smtClean="0"/>
-              <a:t>04-08-2018</a:t>
+              <a:t>05-08-2018</a:t>
             </a:fld>
             <a:endParaRPr lang="en-IN"/>
           </a:p>
@@ -3629,7 +3634,7 @@
           <a:p>
             <a:fld id="{D50B03DF-B2A2-4014-9A08-B6E4B235C0C8}" type="datetimeFigureOut">
               <a:rPr lang="en-IN" smtClean="0"/>
-              <a:t>04-08-2018</a:t>
+              <a:t>05-08-2018</a:t>
             </a:fld>
             <a:endParaRPr lang="en-IN"/>
           </a:p>
@@ -3921,7 +3926,7 @@
           <a:p>
             <a:fld id="{D50B03DF-B2A2-4014-9A08-B6E4B235C0C8}" type="datetimeFigureOut">
               <a:rPr lang="en-IN" smtClean="0"/>
-              <a:t>04-08-2018</a:t>
+              <a:t>05-08-2018</a:t>
             </a:fld>
             <a:endParaRPr lang="en-IN"/>
           </a:p>
@@ -4365,7 +4370,7 @@
           <a:p>
             <a:fld id="{D50B03DF-B2A2-4014-9A08-B6E4B235C0C8}" type="datetimeFigureOut">
               <a:rPr lang="en-IN" smtClean="0"/>
-              <a:t>04-08-2018</a:t>
+              <a:t>05-08-2018</a:t>
             </a:fld>
             <a:endParaRPr lang="en-IN"/>
           </a:p>
@@ -4483,7 +4488,7 @@
           <a:p>
             <a:fld id="{D50B03DF-B2A2-4014-9A08-B6E4B235C0C8}" type="datetimeFigureOut">
               <a:rPr lang="en-IN" smtClean="0"/>
-              <a:t>04-08-2018</a:t>
+              <a:t>05-08-2018</a:t>
             </a:fld>
             <a:endParaRPr lang="en-IN"/>
           </a:p>
@@ -4578,7 +4583,7 @@
           <a:p>
             <a:fld id="{D50B03DF-B2A2-4014-9A08-B6E4B235C0C8}" type="datetimeFigureOut">
               <a:rPr lang="en-IN" smtClean="0"/>
-              <a:t>04-08-2018</a:t>
+              <a:t>05-08-2018</a:t>
             </a:fld>
             <a:endParaRPr lang="en-IN"/>
           </a:p>
@@ -4857,7 +4862,7 @@
           <a:p>
             <a:fld id="{D50B03DF-B2A2-4014-9A08-B6E4B235C0C8}" type="datetimeFigureOut">
               <a:rPr lang="en-IN" smtClean="0"/>
-              <a:t>04-08-2018</a:t>
+              <a:t>05-08-2018</a:t>
             </a:fld>
             <a:endParaRPr lang="en-IN"/>
           </a:p>
@@ -5132,7 +5137,7 @@
           <a:p>
             <a:fld id="{D50B03DF-B2A2-4014-9A08-B6E4B235C0C8}" type="datetimeFigureOut">
               <a:rPr lang="en-IN" smtClean="0"/>
-              <a:t>04-08-2018</a:t>
+              <a:t>05-08-2018</a:t>
             </a:fld>
             <a:endParaRPr lang="en-IN"/>
           </a:p>
@@ -5561,7 +5566,7 @@
           <a:p>
             <a:fld id="{D50B03DF-B2A2-4014-9A08-B6E4B235C0C8}" type="datetimeFigureOut">
               <a:rPr lang="en-IN" smtClean="0"/>
-              <a:t>04-08-2018</a:t>
+              <a:t>05-08-2018</a:t>
             </a:fld>
             <a:endParaRPr lang="en-IN"/>
           </a:p>
@@ -6236,7 +6241,7 @@
         <p:spPr/>
         <p:txBody>
           <a:bodyPr>
-            <a:normAutofit/>
+            <a:normAutofit lnSpcReduction="10000"/>
           </a:bodyPr>
           <a:lstStyle/>
           <a:p>
@@ -6248,7 +6253,7 @@
           <a:p>
             <a:r>
               <a:rPr lang="en-IN" sz="3200" dirty="0"/>
-              <a:t>Problem : Rising levels of pornography in the internet and very few mechanisms to control it.</a:t>
+              <a:t>Problem : Children nowadays are over exposed to the internet. Rising levels of pornography in the internet and very few mechanisms to monitor and control it.</a:t>
             </a:r>
           </a:p>
           <a:p>
@@ -6337,6 +6342,33 @@
         <p:txBody>
           <a:bodyPr/>
           <a:lstStyle/>
+          <a:p>
+            <a:r>
+              <a:rPr lang="en-IN" dirty="0"/>
+              <a:t>Implementation 1:</a:t>
+            </a:r>
+          </a:p>
+          <a:p>
+            <a:r>
+              <a:rPr lang="en-IN" dirty="0"/>
+              <a:t>Parental monitor web site</a:t>
+            </a:r>
+          </a:p>
+          <a:p>
+            <a:endParaRPr lang="en-IN" dirty="0"/>
+          </a:p>
+          <a:p>
+            <a:r>
+              <a:rPr lang="en-IN" dirty="0"/>
+              <a:t>Implementation 2 :</a:t>
+            </a:r>
+          </a:p>
+          <a:p>
+            <a:r>
+              <a:rPr lang="en-IN" dirty="0"/>
+              <a:t>Computer scan to find nsfw content</a:t>
+            </a:r>
+          </a:p>
           <a:p>
             <a:endParaRPr lang="en-IN" dirty="0"/>
           </a:p>
